--- a/Lec11b.milk.pptx
+++ b/Lec11b.milk.pptx
@@ -209,7 +209,7 @@
           <a:p>
             <a:fld id="{43D15D73-8EFF-0849-ABA3-0B4F08DF8E7A}" type="datetimeFigureOut">
               <a:rPr lang="en-US" smtClean="0"/>
-              <a:t>10/10/22</a:t>
+              <a:t>10/12/22</a:t>
             </a:fld>
             <a:endParaRPr lang="en-US"/>
           </a:p>
@@ -697,7 +697,7 @@
           <a:p>
             <a:fld id="{226D0E0F-71B1-A740-9C27-BADB0FF047CD}" type="datetimeFigureOut">
               <a:rPr lang="en-US" smtClean="0"/>
-              <a:t>10/10/22</a:t>
+              <a:t>10/12/22</a:t>
             </a:fld>
             <a:endParaRPr lang="en-US"/>
           </a:p>
@@ -865,7 +865,7 @@
           <a:p>
             <a:fld id="{226D0E0F-71B1-A740-9C27-BADB0FF047CD}" type="datetimeFigureOut">
               <a:rPr lang="en-US" smtClean="0"/>
-              <a:t>10/10/22</a:t>
+              <a:t>10/12/22</a:t>
             </a:fld>
             <a:endParaRPr lang="en-US"/>
           </a:p>
@@ -1043,7 +1043,7 @@
           <a:p>
             <a:fld id="{226D0E0F-71B1-A740-9C27-BADB0FF047CD}" type="datetimeFigureOut">
               <a:rPr lang="en-US" smtClean="0"/>
-              <a:t>10/10/22</a:t>
+              <a:t>10/12/22</a:t>
             </a:fld>
             <a:endParaRPr lang="en-US"/>
           </a:p>
@@ -1227,7 +1227,7 @@
           <a:p>
             <a:fld id="{226D0E0F-71B1-A740-9C27-BADB0FF047CD}" type="datetimeFigureOut">
               <a:rPr lang="en-US" smtClean="0"/>
-              <a:t>10/10/22</a:t>
+              <a:t>10/12/22</a:t>
             </a:fld>
             <a:endParaRPr lang="en-US"/>
           </a:p>
@@ -1716,7 +1716,7 @@
           <a:p>
             <a:fld id="{226D0E0F-71B1-A740-9C27-BADB0FF047CD}" type="datetimeFigureOut">
               <a:rPr lang="en-US" smtClean="0"/>
-              <a:t>10/10/22</a:t>
+              <a:t>10/12/22</a:t>
             </a:fld>
             <a:endParaRPr lang="en-US"/>
           </a:p>
@@ -1945,7 +1945,7 @@
           <a:p>
             <a:fld id="{226D0E0F-71B1-A740-9C27-BADB0FF047CD}" type="datetimeFigureOut">
               <a:rPr lang="en-US" smtClean="0"/>
-              <a:t>10/10/22</a:t>
+              <a:t>10/12/22</a:t>
             </a:fld>
             <a:endParaRPr lang="en-US"/>
           </a:p>
@@ -2309,7 +2309,7 @@
           <a:p>
             <a:fld id="{226D0E0F-71B1-A740-9C27-BADB0FF047CD}" type="datetimeFigureOut">
               <a:rPr lang="en-US" smtClean="0"/>
-              <a:t>10/10/22</a:t>
+              <a:t>10/12/22</a:t>
             </a:fld>
             <a:endParaRPr lang="en-US"/>
           </a:p>
@@ -2426,7 +2426,7 @@
           <a:p>
             <a:fld id="{226D0E0F-71B1-A740-9C27-BADB0FF047CD}" type="datetimeFigureOut">
               <a:rPr lang="en-US" smtClean="0"/>
-              <a:t>10/10/22</a:t>
+              <a:t>10/12/22</a:t>
             </a:fld>
             <a:endParaRPr lang="en-US"/>
           </a:p>
@@ -2521,7 +2521,7 @@
           <a:p>
             <a:fld id="{226D0E0F-71B1-A740-9C27-BADB0FF047CD}" type="datetimeFigureOut">
               <a:rPr lang="en-US" smtClean="0"/>
-              <a:t>10/10/22</a:t>
+              <a:t>10/12/22</a:t>
             </a:fld>
             <a:endParaRPr lang="en-US"/>
           </a:p>
@@ -2796,7 +2796,7 @@
           <a:p>
             <a:fld id="{226D0E0F-71B1-A740-9C27-BADB0FF047CD}" type="datetimeFigureOut">
               <a:rPr lang="en-US" smtClean="0"/>
-              <a:t>10/10/22</a:t>
+              <a:t>10/12/22</a:t>
             </a:fld>
             <a:endParaRPr lang="en-US"/>
           </a:p>
@@ -3048,7 +3048,7 @@
           <a:p>
             <a:fld id="{226D0E0F-71B1-A740-9C27-BADB0FF047CD}" type="datetimeFigureOut">
               <a:rPr lang="en-US" smtClean="0"/>
-              <a:t>10/10/22</a:t>
+              <a:t>10/12/22</a:t>
             </a:fld>
             <a:endParaRPr lang="en-US"/>
           </a:p>
@@ -3259,7 +3259,7 @@
           <a:p>
             <a:fld id="{226D0E0F-71B1-A740-9C27-BADB0FF047CD}" type="datetimeFigureOut">
               <a:rPr lang="en-US" smtClean="0"/>
-              <a:t>10/10/22</a:t>
+              <a:t>10/12/22</a:t>
             </a:fld>
             <a:endParaRPr lang="en-US"/>
           </a:p>
@@ -5164,6 +5164,13 @@
             </a:r>
           </a:p>
           <a:p>
+            <a:pPr lvl="1"/>
+            <a:r>
+              <a:rPr lang="en-US" dirty="0"/>
+              <a:t>We have a smart fridge with camera</a:t>
+            </a:r>
+          </a:p>
+          <a:p>
             <a:r>
               <a:rPr lang="en-US" dirty="0"/>
               <a:t>Steps:</a:t>
@@ -5900,7 +5907,7 @@
         <p:spPr/>
         <p:txBody>
           <a:bodyPr>
-            <a:normAutofit lnSpcReduction="10000"/>
+            <a:normAutofit/>
           </a:bodyPr>
           <a:lstStyle/>
           <a:p>
@@ -5913,13 +5920,6 @@
             <a:r>
               <a:rPr lang="en-US" dirty="0"/>
               <a:t>Steps:</a:t>
-            </a:r>
-          </a:p>
-          <a:p>
-            <a:pPr lvl="1"/>
-            <a:r>
-              <a:rPr lang="en-US" dirty="0"/>
-              <a:t>Arrive home</a:t>
             </a:r>
           </a:p>
           <a:p>
